--- a/day1/notes_day1.pptx
+++ b/day1/notes_day1.pptx
@@ -271,7 +271,7 @@
           <a:p>
             <a:fld id="{462EB6DF-366F-4C23-BEE5-E23E7CB73D99}" type="datetimeFigureOut">
               <a:rPr lang="en-US" smtClean="0"/>
-              <a:t>9/14/2016</a:t>
+              <a:t>9/15/2016</a:t>
             </a:fld>
             <a:endParaRPr lang="en-US"/>
           </a:p>
@@ -441,7 +441,7 @@
           <a:p>
             <a:fld id="{462EB6DF-366F-4C23-BEE5-E23E7CB73D99}" type="datetimeFigureOut">
               <a:rPr lang="en-US" smtClean="0"/>
-              <a:t>9/14/2016</a:t>
+              <a:t>9/15/2016</a:t>
             </a:fld>
             <a:endParaRPr lang="en-US"/>
           </a:p>
@@ -621,7 +621,7 @@
           <a:p>
             <a:fld id="{462EB6DF-366F-4C23-BEE5-E23E7CB73D99}" type="datetimeFigureOut">
               <a:rPr lang="en-US" smtClean="0"/>
-              <a:t>9/14/2016</a:t>
+              <a:t>9/15/2016</a:t>
             </a:fld>
             <a:endParaRPr lang="en-US"/>
           </a:p>
@@ -791,7 +791,7 @@
           <a:p>
             <a:fld id="{462EB6DF-366F-4C23-BEE5-E23E7CB73D99}" type="datetimeFigureOut">
               <a:rPr lang="en-US" smtClean="0"/>
-              <a:t>9/14/2016</a:t>
+              <a:t>9/15/2016</a:t>
             </a:fld>
             <a:endParaRPr lang="en-US"/>
           </a:p>
@@ -1035,7 +1035,7 @@
           <a:p>
             <a:fld id="{462EB6DF-366F-4C23-BEE5-E23E7CB73D99}" type="datetimeFigureOut">
               <a:rPr lang="en-US" smtClean="0"/>
-              <a:t>9/14/2016</a:t>
+              <a:t>9/15/2016</a:t>
             </a:fld>
             <a:endParaRPr lang="en-US"/>
           </a:p>
@@ -1267,7 +1267,7 @@
           <a:p>
             <a:fld id="{462EB6DF-366F-4C23-BEE5-E23E7CB73D99}" type="datetimeFigureOut">
               <a:rPr lang="en-US" smtClean="0"/>
-              <a:t>9/14/2016</a:t>
+              <a:t>9/15/2016</a:t>
             </a:fld>
             <a:endParaRPr lang="en-US"/>
           </a:p>
@@ -1634,7 +1634,7 @@
           <a:p>
             <a:fld id="{462EB6DF-366F-4C23-BEE5-E23E7CB73D99}" type="datetimeFigureOut">
               <a:rPr lang="en-US" smtClean="0"/>
-              <a:t>9/14/2016</a:t>
+              <a:t>9/15/2016</a:t>
             </a:fld>
             <a:endParaRPr lang="en-US"/>
           </a:p>
@@ -1752,7 +1752,7 @@
           <a:p>
             <a:fld id="{462EB6DF-366F-4C23-BEE5-E23E7CB73D99}" type="datetimeFigureOut">
               <a:rPr lang="en-US" smtClean="0"/>
-              <a:t>9/14/2016</a:t>
+              <a:t>9/15/2016</a:t>
             </a:fld>
             <a:endParaRPr lang="en-US"/>
           </a:p>
@@ -1847,7 +1847,7 @@
           <a:p>
             <a:fld id="{462EB6DF-366F-4C23-BEE5-E23E7CB73D99}" type="datetimeFigureOut">
               <a:rPr lang="en-US" smtClean="0"/>
-              <a:t>9/14/2016</a:t>
+              <a:t>9/15/2016</a:t>
             </a:fld>
             <a:endParaRPr lang="en-US"/>
           </a:p>
@@ -2124,7 +2124,7 @@
           <a:p>
             <a:fld id="{462EB6DF-366F-4C23-BEE5-E23E7CB73D99}" type="datetimeFigureOut">
               <a:rPr lang="en-US" smtClean="0"/>
-              <a:t>9/14/2016</a:t>
+              <a:t>9/15/2016</a:t>
             </a:fld>
             <a:endParaRPr lang="en-US"/>
           </a:p>
@@ -2381,7 +2381,7 @@
           <a:p>
             <a:fld id="{462EB6DF-366F-4C23-BEE5-E23E7CB73D99}" type="datetimeFigureOut">
               <a:rPr lang="en-US" smtClean="0"/>
-              <a:t>9/14/2016</a:t>
+              <a:t>9/15/2016</a:t>
             </a:fld>
             <a:endParaRPr lang="en-US"/>
           </a:p>
@@ -2594,7 +2594,7 @@
           <a:p>
             <a:fld id="{462EB6DF-366F-4C23-BEE5-E23E7CB73D99}" type="datetimeFigureOut">
               <a:rPr lang="en-US" smtClean="0"/>
-              <a:t>9/14/2016</a:t>
+              <a:t>9/15/2016</a:t>
             </a:fld>
             <a:endParaRPr lang="en-US"/>
           </a:p>
@@ -6852,7 +6852,27 @@
                 <a:latin typeface="Courier New" panose="02070309020205020404" pitchFamily="49" charset="0"/>
                 <a:cs typeface="Courier New" panose="02070309020205020404" pitchFamily="49" charset="0"/>
               </a:rPr>
-              <a:t>[Else If </a:t>
+              <a:t>[</a:t>
+            </a:r>
+            <a:r>
+              <a:rPr lang="en-US" dirty="0" err="1">
+                <a:solidFill>
+                  <a:schemeClr val="accent6"/>
+                </a:solidFill>
+                <a:latin typeface="Courier New" panose="02070309020205020404" pitchFamily="49" charset="0"/>
+                <a:cs typeface="Courier New" panose="02070309020205020404" pitchFamily="49" charset="0"/>
+              </a:rPr>
+              <a:t>ElseIf</a:t>
+            </a:r>
+            <a:r>
+              <a:rPr lang="en-US" dirty="0">
+                <a:solidFill>
+                  <a:schemeClr val="accent6"/>
+                </a:solidFill>
+                <a:latin typeface="Courier New" panose="02070309020205020404" pitchFamily="49" charset="0"/>
+                <a:cs typeface="Courier New" panose="02070309020205020404" pitchFamily="49" charset="0"/>
+              </a:rPr>
+              <a:t> </a:t>
             </a:r>
             <a:r>
               <a:rPr lang="en-US" dirty="0" err="1">
